--- a/pictures/pdf/RegionvsFloodvsUniform.pptx
+++ b/pictures/pdf/RegionvsFloodvsUniform.pptx
@@ -243,7 +243,7 @@
           <a:p>
             <a:fld id="{128B2BB6-DE7B-44D1-BBCC-4DE62C6920C0}" type="datetimeFigureOut">
               <a:rPr lang="en-US" smtClean="0"/>
-              <a:t>2/27/2017</a:t>
+              <a:t>2/28/2017</a:t>
             </a:fld>
             <a:endParaRPr lang="en-US"/>
           </a:p>
@@ -413,7 +413,7 @@
           <a:p>
             <a:fld id="{128B2BB6-DE7B-44D1-BBCC-4DE62C6920C0}" type="datetimeFigureOut">
               <a:rPr lang="en-US" smtClean="0"/>
-              <a:t>2/27/2017</a:t>
+              <a:t>2/28/2017</a:t>
             </a:fld>
             <a:endParaRPr lang="en-US"/>
           </a:p>
@@ -593,7 +593,7 @@
           <a:p>
             <a:fld id="{128B2BB6-DE7B-44D1-BBCC-4DE62C6920C0}" type="datetimeFigureOut">
               <a:rPr lang="en-US" smtClean="0"/>
-              <a:t>2/27/2017</a:t>
+              <a:t>2/28/2017</a:t>
             </a:fld>
             <a:endParaRPr lang="en-US"/>
           </a:p>
@@ -763,7 +763,7 @@
           <a:p>
             <a:fld id="{128B2BB6-DE7B-44D1-BBCC-4DE62C6920C0}" type="datetimeFigureOut">
               <a:rPr lang="en-US" smtClean="0"/>
-              <a:t>2/27/2017</a:t>
+              <a:t>2/28/2017</a:t>
             </a:fld>
             <a:endParaRPr lang="en-US"/>
           </a:p>
@@ -1007,7 +1007,7 @@
           <a:p>
             <a:fld id="{128B2BB6-DE7B-44D1-BBCC-4DE62C6920C0}" type="datetimeFigureOut">
               <a:rPr lang="en-US" smtClean="0"/>
-              <a:t>2/27/2017</a:t>
+              <a:t>2/28/2017</a:t>
             </a:fld>
             <a:endParaRPr lang="en-US"/>
           </a:p>
@@ -1239,7 +1239,7 @@
           <a:p>
             <a:fld id="{128B2BB6-DE7B-44D1-BBCC-4DE62C6920C0}" type="datetimeFigureOut">
               <a:rPr lang="en-US" smtClean="0"/>
-              <a:t>2/27/2017</a:t>
+              <a:t>2/28/2017</a:t>
             </a:fld>
             <a:endParaRPr lang="en-US"/>
           </a:p>
@@ -1606,7 +1606,7 @@
           <a:p>
             <a:fld id="{128B2BB6-DE7B-44D1-BBCC-4DE62C6920C0}" type="datetimeFigureOut">
               <a:rPr lang="en-US" smtClean="0"/>
-              <a:t>2/27/2017</a:t>
+              <a:t>2/28/2017</a:t>
             </a:fld>
             <a:endParaRPr lang="en-US"/>
           </a:p>
@@ -1724,7 +1724,7 @@
           <a:p>
             <a:fld id="{128B2BB6-DE7B-44D1-BBCC-4DE62C6920C0}" type="datetimeFigureOut">
               <a:rPr lang="en-US" smtClean="0"/>
-              <a:t>2/27/2017</a:t>
+              <a:t>2/28/2017</a:t>
             </a:fld>
             <a:endParaRPr lang="en-US"/>
           </a:p>
@@ -1819,7 +1819,7 @@
           <a:p>
             <a:fld id="{128B2BB6-DE7B-44D1-BBCC-4DE62C6920C0}" type="datetimeFigureOut">
               <a:rPr lang="en-US" smtClean="0"/>
-              <a:t>2/27/2017</a:t>
+              <a:t>2/28/2017</a:t>
             </a:fld>
             <a:endParaRPr lang="en-US"/>
           </a:p>
@@ -2096,7 +2096,7 @@
           <a:p>
             <a:fld id="{128B2BB6-DE7B-44D1-BBCC-4DE62C6920C0}" type="datetimeFigureOut">
               <a:rPr lang="en-US" smtClean="0"/>
-              <a:t>2/27/2017</a:t>
+              <a:t>2/28/2017</a:t>
             </a:fld>
             <a:endParaRPr lang="en-US"/>
           </a:p>
@@ -2353,7 +2353,7 @@
           <a:p>
             <a:fld id="{128B2BB6-DE7B-44D1-BBCC-4DE62C6920C0}" type="datetimeFigureOut">
               <a:rPr lang="en-US" smtClean="0"/>
-              <a:t>2/27/2017</a:t>
+              <a:t>2/28/2017</a:t>
             </a:fld>
             <a:endParaRPr lang="en-US"/>
           </a:p>
@@ -2566,7 +2566,7 @@
           <a:p>
             <a:fld id="{128B2BB6-DE7B-44D1-BBCC-4DE62C6920C0}" type="datetimeFigureOut">
               <a:rPr lang="en-US" smtClean="0"/>
-              <a:t>2/27/2017</a:t>
+              <a:t>2/28/2017</a:t>
             </a:fld>
             <a:endParaRPr lang="en-US"/>
           </a:p>
@@ -3019,13 +3019,13 @@
         </p:nvPicPr>
         <p:blipFill rotWithShape="1">
           <a:blip r:embed="rId2"/>
-          <a:srcRect l="4458" t="8215" r="56042" b="1546"/>
+          <a:srcRect l="14417" t="9404" r="17666" b="8966"/>
           <a:stretch/>
         </p:blipFill>
         <p:spPr>
           <a:xfrm>
-            <a:off x="1" y="0"/>
-            <a:ext cx="13258800" cy="8778875"/>
+            <a:off x="350520" y="137159"/>
+            <a:ext cx="12420600" cy="8397241"/>
           </a:xfrm>
           <a:prstGeom prst="rect">
             <a:avLst/>
